--- a/Presentations/AI based Classification and Regression Models.pptx
+++ b/Presentations/AI based Classification and Regression Models.pptx
@@ -1954,7 +1954,7 @@
         </p:nvSpPr>
         <p:spPr>
           <a:xfrm>
-            <a:off x="381300" y="685800"/>
+            <a:off x="381000" y="685800"/>
             <a:ext cx="6096000" cy="3429000"/>
           </a:xfrm>
           <a:custGeom>
@@ -2018,45 +2018,7 @@
               <a:buSzPts val="1100"/>
               <a:buChar char="●"/>
             </a:pPr>
-            <a:r>
-              <a:rPr lang="en-GB"/>
-              <a:t>Neurons are something which provides an output value (usually between 0 and 1)</a:t>
-            </a:r>
-            <a:endParaRPr/>
-          </a:p>
-          <a:p>
-            <a:pPr marL="457200" lvl="0" indent="-298450" algn="l" rtl="0">
-              <a:spcBef>
-                <a:spcPts val="0"/>
-              </a:spcBef>
-              <a:spcAft>
-                <a:spcPts val="0"/>
-              </a:spcAft>
-              <a:buSzPts val="1100"/>
-              <a:buChar char="●"/>
-            </a:pPr>
-            <a:r>
-              <a:rPr lang="en-GB"/>
-              <a:t>Depending on the input or pattern of the input, some neurons gets ‘activated’</a:t>
-            </a:r>
-            <a:endParaRPr/>
-          </a:p>
-          <a:p>
-            <a:pPr marL="457200" lvl="0" indent="-298450" algn="l" rtl="0">
-              <a:spcBef>
-                <a:spcPts val="0"/>
-              </a:spcBef>
-              <a:spcAft>
-                <a:spcPts val="0"/>
-              </a:spcAft>
-              <a:buSzPts val="1100"/>
-              <a:buChar char="●"/>
-            </a:pPr>
-            <a:r>
-              <a:rPr lang="en-GB"/>
-              <a:t>The function which determines if the neurons gets activated or not is called activation function</a:t>
-            </a:r>
-            <a:endParaRPr/>
+            <a:endParaRPr dirty="0"/>
           </a:p>
         </p:txBody>
       </p:sp>
@@ -2097,7 +2059,7 @@
         </p:nvSpPr>
         <p:spPr>
           <a:xfrm>
-            <a:off x="381300" y="685800"/>
+            <a:off x="381000" y="685800"/>
             <a:ext cx="6096000" cy="3429000"/>
           </a:xfrm>
           <a:custGeom>
@@ -17142,6 +17104,79 @@
           </a:ln>
         </p:spPr>
       </p:pic>
+      <p:sp>
+        <p:nvSpPr>
+          <p:cNvPr id="3" name="TextBox 2">
+            <a:extLst>
+              <a:ext uri="{FF2B5EF4-FFF2-40B4-BE49-F238E27FC236}">
+                <a16:creationId xmlns:a16="http://schemas.microsoft.com/office/drawing/2014/main" id="{AC0DDF00-C018-984F-9217-17918248341A}"/>
+              </a:ext>
+            </a:extLst>
+          </p:cNvPr>
+          <p:cNvSpPr txBox="1"/>
+          <p:nvPr/>
+        </p:nvSpPr>
+        <p:spPr>
+          <a:xfrm>
+            <a:off x="5974423" y="4683324"/>
+            <a:ext cx="1946953" cy="307777"/>
+          </a:xfrm>
+          <a:prstGeom prst="rect">
+            <a:avLst/>
+          </a:prstGeom>
+          <a:noFill/>
+        </p:spPr>
+        <p:txBody>
+          <a:bodyPr wrap="square">
+            <a:spAutoFit/>
+          </a:bodyPr>
+          <a:lstStyle/>
+          <a:p>
+            <a:pPr marL="0" lvl="0" indent="0" algn="l" rtl="0">
+              <a:spcBef>
+                <a:spcPts val="0"/>
+              </a:spcBef>
+              <a:spcAft>
+                <a:spcPts val="0"/>
+              </a:spcAft>
+              <a:buNone/>
+            </a:pPr>
+            <a:r>
+              <a:rPr lang="en-GB" sz="1400" dirty="0">
+                <a:solidFill>
+                  <a:schemeClr val="accent1"/>
+                </a:solidFill>
+                <a:latin typeface="Lato"/>
+                <a:ea typeface="Lato"/>
+                <a:cs typeface="Lato"/>
+                <a:sym typeface="Lato"/>
+              </a:rPr>
+              <a:t>Source: </a:t>
+            </a:r>
+            <a:r>
+              <a:rPr lang="en-GB" sz="1400" dirty="0" err="1">
+                <a:solidFill>
+                  <a:schemeClr val="accent1"/>
+                </a:solidFill>
+                <a:latin typeface="Lato"/>
+                <a:ea typeface="Lato"/>
+                <a:cs typeface="Lato"/>
+                <a:sym typeface="Lato"/>
+              </a:rPr>
+              <a:t>imgflip.com</a:t>
+            </a:r>
+            <a:endParaRPr lang="en-GB" sz="1400" dirty="0">
+              <a:solidFill>
+                <a:schemeClr val="accent1"/>
+              </a:solidFill>
+              <a:latin typeface="Lato"/>
+              <a:ea typeface="Lato"/>
+              <a:cs typeface="Lato"/>
+              <a:sym typeface="Lato"/>
+            </a:endParaRPr>
+          </a:p>
+        </p:txBody>
+      </p:sp>
     </p:spTree>
   </p:cSld>
   <p:clrMapOvr>
@@ -24175,7 +24210,7 @@
               <a:buNone/>
             </a:pPr>
             <a:r>
-              <a:rPr lang="en-GB" sz="1300">
+              <a:rPr lang="en-GB" sz="1300" dirty="0" err="1">
                 <a:solidFill>
                   <a:schemeClr val="accent1"/>
                 </a:solidFill>
@@ -24184,9 +24219,45 @@
                 <a:cs typeface="Lato"/>
                 <a:sym typeface="Lato"/>
               </a:rPr>
-              <a:t>Source:https://towardsdatascience.com/understanding-confusion-matrix-a9ad42dcfd62</a:t>
+              <a:t>Source:https</a:t>
             </a:r>
-            <a:endParaRPr sz="1300">
+            <a:r>
+              <a:rPr lang="en-GB" sz="1300" dirty="0">
+                <a:solidFill>
+                  <a:schemeClr val="accent1"/>
+                </a:solidFill>
+                <a:latin typeface="Lato"/>
+                <a:ea typeface="Lato"/>
+                <a:cs typeface="Lato"/>
+                <a:sym typeface="Lato"/>
+              </a:rPr>
+              <a:t>://</a:t>
+            </a:r>
+            <a:r>
+              <a:rPr lang="en-GB" sz="1300" dirty="0" err="1">
+                <a:solidFill>
+                  <a:schemeClr val="accent1"/>
+                </a:solidFill>
+                <a:latin typeface="Lato"/>
+                <a:ea typeface="Lato"/>
+                <a:cs typeface="Lato"/>
+                <a:sym typeface="Lato"/>
+              </a:rPr>
+              <a:t>towardsdatascience.com</a:t>
+            </a:r>
+            <a:r>
+              <a:rPr lang="en-GB" sz="1300" dirty="0">
+                <a:solidFill>
+                  <a:schemeClr val="accent1"/>
+                </a:solidFill>
+                <a:latin typeface="Lato"/>
+                <a:ea typeface="Lato"/>
+                <a:cs typeface="Lato"/>
+                <a:sym typeface="Lato"/>
+              </a:rPr>
+              <a:t>/understanding-confusion-matrix-a9ad42dcfd62</a:t>
+            </a:r>
+            <a:endParaRPr sz="1300" dirty="0">
               <a:solidFill>
                 <a:schemeClr val="accent1"/>
               </a:solidFill>
